--- a/Later/Exception/Exception_10/Java Exception Handling Keywords.pptx
+++ b/Later/Exception/Exception_10/Java Exception Handling Keywords.pptx
@@ -1099,6 +1099,13 @@
         </dgm:presLayoutVars>
       </dgm:prSet>
       <dgm:spPr/>
+      <dgm:t>
+        <a:bodyPr/>
+        <a:lstStyle/>
+        <a:p>
+          <a:endParaRPr lang="en-US"/>
+        </a:p>
+      </dgm:t>
     </dgm:pt>
     <dgm:pt modelId="{2CF7719E-F735-45B3-ABE1-CACE2F2E7BC1}" type="pres">
       <dgm:prSet presAssocID="{D6370147-7F2B-4D55-A1F1-387A50FE54AD}" presName="node" presStyleLbl="node1" presStyleIdx="0" presStyleCnt="5" custScaleY="43920">
@@ -1107,6 +1114,13 @@
         </dgm:presLayoutVars>
       </dgm:prSet>
       <dgm:spPr/>
+      <dgm:t>
+        <a:bodyPr/>
+        <a:lstStyle/>
+        <a:p>
+          <a:endParaRPr lang="en-US"/>
+        </a:p>
+      </dgm:t>
     </dgm:pt>
     <dgm:pt modelId="{0942D64D-5475-43E1-A944-B431261228B5}" type="pres">
       <dgm:prSet presAssocID="{660B85FB-5A89-4ECE-88A8-D4B28C33EE72}" presName="sibTrans" presStyleCnt="0"/>
@@ -1119,6 +1133,13 @@
         </dgm:presLayoutVars>
       </dgm:prSet>
       <dgm:spPr/>
+      <dgm:t>
+        <a:bodyPr/>
+        <a:lstStyle/>
+        <a:p>
+          <a:endParaRPr lang="en-US"/>
+        </a:p>
+      </dgm:t>
     </dgm:pt>
     <dgm:pt modelId="{B4360733-AAC5-4658-AF8D-327C5E2AB502}" type="pres">
       <dgm:prSet presAssocID="{BC57DF8A-1AFE-45BF-A5EB-3271220B3E7A}" presName="sibTrans" presStyleCnt="0"/>
@@ -1131,6 +1152,13 @@
         </dgm:presLayoutVars>
       </dgm:prSet>
       <dgm:spPr/>
+      <dgm:t>
+        <a:bodyPr/>
+        <a:lstStyle/>
+        <a:p>
+          <a:endParaRPr lang="en-US"/>
+        </a:p>
+      </dgm:t>
     </dgm:pt>
     <dgm:pt modelId="{48506E44-D476-45E2-8456-8A2D7645F123}" type="pres">
       <dgm:prSet presAssocID="{1592A1D0-834B-4F33-8956-38E8EAA2CAF1}" presName="sibTrans" presStyleCnt="0"/>
@@ -1143,6 +1171,13 @@
         </dgm:presLayoutVars>
       </dgm:prSet>
       <dgm:spPr/>
+      <dgm:t>
+        <a:bodyPr/>
+        <a:lstStyle/>
+        <a:p>
+          <a:endParaRPr lang="en-US"/>
+        </a:p>
+      </dgm:t>
     </dgm:pt>
     <dgm:pt modelId="{483A8F10-DF55-48D0-81CE-FBA99E96B832}" type="pres">
       <dgm:prSet presAssocID="{27F80C82-B947-42C7-B7F3-DFBD9A6D49AD}" presName="sibTrans" presStyleCnt="0"/>
@@ -1155,6 +1190,13 @@
         </dgm:presLayoutVars>
       </dgm:prSet>
       <dgm:spPr/>
+      <dgm:t>
+        <a:bodyPr/>
+        <a:lstStyle/>
+        <a:p>
+          <a:endParaRPr lang="en-US"/>
+        </a:p>
+      </dgm:t>
     </dgm:pt>
   </dgm:ptLst>
   <dgm:cxnLst>
@@ -6231,8 +6273,8 @@
         </p:nvSpPr>
         <p:spPr>
           <a:xfrm>
-            <a:off x="838200" y="838200"/>
-            <a:ext cx="7391400" cy="3657600"/>
+            <a:off x="838200" y="1219200"/>
+            <a:ext cx="7391400" cy="3200400"/>
           </a:xfrm>
           <a:prstGeom prst="roundRect">
             <a:avLst/>
@@ -6482,6 +6524,49 @@
           </a:graphicData>
         </a:graphic>
       </p:graphicFrame>
+      <p:sp>
+        <p:nvSpPr>
+          <p:cNvPr id="2" name="Rectangle 1"/>
+          <p:cNvSpPr/>
+          <p:nvPr/>
+        </p:nvSpPr>
+        <p:spPr>
+          <a:xfrm>
+            <a:off x="554254" y="533400"/>
+            <a:ext cx="7827745" cy="461665"/>
+          </a:xfrm>
+          <a:prstGeom prst="rect">
+            <a:avLst/>
+          </a:prstGeom>
+        </p:spPr>
+        <p:style>
+          <a:lnRef idx="1">
+            <a:schemeClr val="accent6"/>
+          </a:lnRef>
+          <a:fillRef idx="2">
+            <a:schemeClr val="accent6"/>
+          </a:fillRef>
+          <a:effectRef idx="1">
+            <a:schemeClr val="accent6"/>
+          </a:effectRef>
+          <a:fontRef idx="minor">
+            <a:schemeClr val="dk1"/>
+          </a:fontRef>
+        </p:style>
+        <p:txBody>
+          <a:bodyPr wrap="square">
+            <a:spAutoFit/>
+          </a:bodyPr>
+          <a:lstStyle/>
+          <a:p>
+            <a:r>
+              <a:rPr lang="en-US" sz="1200" dirty="0"/>
+              <a:t>Exception handling is done by transferring the execution of a program to an appropriate exception handler when exception occurs.</a:t>
+            </a:r>
+            <a:endParaRPr lang="en-US" sz="1200" dirty="0"/>
+          </a:p>
+        </p:txBody>
+      </p:sp>
     </p:spTree>
     <p:extLst>
       <p:ext uri="{BB962C8B-B14F-4D97-AF65-F5344CB8AC3E}">
